--- a/course_material/week_05/week_05_presentation.pptx
+++ b/course_material/week_05/week_05_presentation.pptx
@@ -5,7 +5,7 @@
     <p:sldMasterId id="2147483696" r:id="rId1"/>
   </p:sldMasterIdLst>
   <p:notesMasterIdLst>
-    <p:notesMasterId r:id="rId14"/>
+    <p:notesMasterId r:id="rId16"/>
   </p:notesMasterIdLst>
   <p:sldIdLst>
     <p:sldId id="256" r:id="rId2"/>
@@ -18,8 +18,10 @@
     <p:sldId id="305" r:id="rId9"/>
     <p:sldId id="285" r:id="rId10"/>
     <p:sldId id="302" r:id="rId11"/>
-    <p:sldId id="303" r:id="rId12"/>
-    <p:sldId id="271" r:id="rId13"/>
+    <p:sldId id="307" r:id="rId12"/>
+    <p:sldId id="308" r:id="rId13"/>
+    <p:sldId id="303" r:id="rId14"/>
+    <p:sldId id="271" r:id="rId15"/>
   </p:sldIdLst>
   <p:sldSz cx="12192000" cy="6858000"/>
   <p:notesSz cx="6858000" cy="9144000"/>
@@ -1834,7 +1836,7 @@
           <a:p>
             <a:fld id="{5CF9EFDB-215C-4120-ADCB-EAD745B7163E}" type="datetimeFigureOut">
               <a:rPr lang="en-US" smtClean="0"/>
-              <a:t>3/28/2021</a:t>
+              <a:t>3/30/2021</a:t>
             </a:fld>
             <a:endParaRPr lang="en-US"/>
           </a:p>
@@ -2169,7 +2171,7 @@
           <a:p>
             <a:fld id="{791F1524-C5FD-4370-8A10-5BE52A97A495}" type="slidenum">
               <a:rPr lang="en-US" smtClean="0"/>
-              <a:t>11</a:t>
+              <a:t>13</a:t>
             </a:fld>
             <a:endParaRPr lang="en-US"/>
           </a:p>
@@ -2382,7 +2384,7 @@
           <a:p>
             <a:fld id="{ACF1A1B0-862D-4909-A7DB-D8ADA062DFCA}" type="datetimeFigureOut">
               <a:rPr lang="en-US" dirty="0"/>
-              <a:t>3/28/2021</a:t>
+              <a:t>3/30/2021</a:t>
             </a:fld>
             <a:endParaRPr lang="en-US"/>
           </a:p>
@@ -2605,7 +2607,7 @@
           <a:p>
             <a:fld id="{7B156144-9CB7-4E3A-B87E-A382F9BE05EF}" type="datetimeFigureOut">
               <a:rPr lang="en-US" dirty="0"/>
-              <a:t>3/28/2021</a:t>
+              <a:t>3/30/2021</a:t>
             </a:fld>
             <a:endParaRPr lang="en-US"/>
           </a:p>
@@ -2783,7 +2785,7 @@
           <a:p>
             <a:fld id="{2643D55F-46AB-4791-9172-4FA8DD3A6A9C}" type="datetimeFigureOut">
               <a:rPr lang="en-US" dirty="0"/>
-              <a:t>3/28/2021</a:t>
+              <a:t>3/30/2021</a:t>
             </a:fld>
             <a:endParaRPr lang="en-US"/>
           </a:p>
@@ -2951,7 +2953,7 @@
           <a:p>
             <a:fld id="{58026881-8A08-449C-8D73-E5F201F814C1}" type="datetimeFigureOut">
               <a:rPr lang="en-US" dirty="0"/>
-              <a:t>3/28/2021</a:t>
+              <a:t>3/30/2021</a:t>
             </a:fld>
             <a:endParaRPr lang="en-US"/>
           </a:p>
@@ -3241,7 +3243,7 @@
           <a:p>
             <a:fld id="{1BEB5A5E-0C07-4E93-A112-D37B4D166B30}" type="datetimeFigureOut">
               <a:rPr lang="en-US" dirty="0"/>
-              <a:t>3/28/2021</a:t>
+              <a:t>3/30/2021</a:t>
             </a:fld>
             <a:endParaRPr lang="en-US"/>
           </a:p>
@@ -3564,7 +3566,7 @@
           <a:p>
             <a:fld id="{9E1F71C5-DC57-4358-A1EA-30C08AF6E3C5}" type="datetimeFigureOut">
               <a:rPr lang="en-US" dirty="0"/>
-              <a:t>3/28/2021</a:t>
+              <a:t>3/30/2021</a:t>
             </a:fld>
             <a:endParaRPr lang="en-US"/>
           </a:p>
@@ -3973,7 +3975,7 @@
           <a:p>
             <a:fld id="{12571DBA-DE60-4731-B773-47AAA185C143}" type="datetimeFigureOut">
               <a:rPr lang="en-US" dirty="0"/>
-              <a:t>3/28/2021</a:t>
+              <a:t>3/30/2021</a:t>
             </a:fld>
             <a:endParaRPr lang="en-US"/>
           </a:p>
@@ -4090,7 +4092,7 @@
           <a:p>
             <a:fld id="{4F170639-886C-4FCF-9EAB-ABB5DA3F3F4A}" type="datetimeFigureOut">
               <a:rPr lang="en-US" dirty="0"/>
-              <a:t>3/28/2021</a:t>
+              <a:t>3/30/2021</a:t>
             </a:fld>
             <a:endParaRPr lang="en-US"/>
           </a:p>
@@ -4185,7 +4187,7 @@
           <a:p>
             <a:fld id="{34C4A628-C83B-4C66-83F4-1711CE3738FD}" type="datetimeFigureOut">
               <a:rPr lang="en-US" dirty="0"/>
-              <a:t>3/28/2021</a:t>
+              <a:t>3/30/2021</a:t>
             </a:fld>
             <a:endParaRPr lang="en-US"/>
           </a:p>
@@ -4470,7 +4472,7 @@
           <a:p>
             <a:fld id="{B88C1D73-9400-43CA-A37F-F9B7D00DE14C}" type="datetimeFigureOut">
               <a:rPr lang="en-US" dirty="0"/>
-              <a:t>3/28/2021</a:t>
+              <a:t>3/30/2021</a:t>
             </a:fld>
             <a:endParaRPr lang="en-US"/>
           </a:p>
@@ -4742,7 +4744,7 @@
           <a:p>
             <a:fld id="{188B7711-B905-4633-B4D7-6F3A49A2E7D9}" type="datetimeFigureOut">
               <a:rPr lang="en-US" dirty="0"/>
-              <a:t>3/28/2021</a:t>
+              <a:t>3/30/2021</a:t>
             </a:fld>
             <a:endParaRPr lang="en-US"/>
           </a:p>
@@ -4992,7 +4994,7 @@
             <a:fld id="{89C235CF-BDA2-4E7E-8BBD-350479985E74}" type="datetimeFigureOut">
               <a:rPr lang="en-US" dirty="0"/>
               <a:pPr/>
-              <a:t>3/28/2021</a:t>
+              <a:t>3/30/2021</a:t>
             </a:fld>
             <a:endParaRPr lang="en-US"/>
           </a:p>
@@ -5602,6 +5604,108 @@
           <a:bodyPr/>
           <a:lstStyle/>
           <a:p>
+            <a:pPr marL="0" indent="0">
+              <a:buNone/>
+            </a:pPr>
+            <a:r>
+              <a:rPr lang="en-US" b="1" i="0" dirty="0">
+                <a:effectLst/>
+                <a:latin typeface="Helvetica Neue"/>
+              </a:rPr>
+              <a:t>Edward Tufte’s</a:t>
+            </a:r>
+          </a:p>
+          <a:p>
+            <a:pPr marL="0" indent="0" algn="l">
+              <a:buNone/>
+            </a:pPr>
+            <a:r>
+              <a:rPr lang="en-US" b="1" i="0" dirty="0">
+                <a:effectLst/>
+                <a:latin typeface="Helvetica Neue"/>
+              </a:rPr>
+              <a:t>Graphical Integrity Principles:</a:t>
+            </a:r>
+          </a:p>
+          <a:p>
+            <a:pPr algn="l">
+              <a:buFont typeface="+mj-lt"/>
+              <a:buAutoNum type="arabicPeriod"/>
+            </a:pPr>
+            <a:r>
+              <a:rPr lang="en-US" b="0" i="0" dirty="0">
+                <a:effectLst/>
+                <a:latin typeface="Helvetica Neue"/>
+              </a:rPr>
+              <a:t>Representations of numbers should match their true proportions.</a:t>
+            </a:r>
+          </a:p>
+          <a:p>
+            <a:pPr algn="l">
+              <a:buFont typeface="+mj-lt"/>
+              <a:buAutoNum type="arabicPeriod"/>
+            </a:pPr>
+            <a:r>
+              <a:rPr lang="en-US" b="0" i="0" dirty="0">
+                <a:effectLst/>
+                <a:latin typeface="Helvetica Neue"/>
+              </a:rPr>
+              <a:t>Labeling should be clear, detailed and thorough.</a:t>
+            </a:r>
+          </a:p>
+          <a:p>
+            <a:pPr algn="l">
+              <a:buFont typeface="+mj-lt"/>
+              <a:buAutoNum type="arabicPeriod"/>
+            </a:pPr>
+            <a:r>
+              <a:rPr lang="en-US" b="0" i="0" dirty="0">
+                <a:effectLst/>
+                <a:latin typeface="Helvetica Neue"/>
+              </a:rPr>
+              <a:t>Designs should show only data variations, not design variation.</a:t>
+            </a:r>
+          </a:p>
+          <a:p>
+            <a:pPr algn="l">
+              <a:buFont typeface="+mj-lt"/>
+              <a:buAutoNum type="arabicPeriod"/>
+            </a:pPr>
+            <a:r>
+              <a:rPr lang="en-US" b="0" i="0" dirty="0">
+                <a:effectLst/>
+                <a:latin typeface="Helvetica Neue"/>
+              </a:rPr>
+              <a:t>Standardized units are best when representing money.</a:t>
+            </a:r>
+          </a:p>
+          <a:p>
+            <a:pPr algn="l">
+              <a:buFont typeface="+mj-lt"/>
+              <a:buAutoNum type="arabicPeriod"/>
+            </a:pPr>
+            <a:r>
+              <a:rPr lang="en-US" b="0" i="0" dirty="0">
+                <a:effectLst/>
+                <a:latin typeface="Helvetica Neue"/>
+              </a:rPr>
+              <a:t>The number of dimensions visualized should equal the number of dimensions in the data.</a:t>
+            </a:r>
+          </a:p>
+          <a:p>
+            <a:pPr algn="l">
+              <a:buFont typeface="+mj-lt"/>
+              <a:buAutoNum type="arabicPeriod"/>
+            </a:pPr>
+            <a:r>
+              <a:rPr lang="en-US" b="0" i="0" dirty="0">
+                <a:effectLst/>
+                <a:latin typeface="Helvetica Neue"/>
+              </a:rPr>
+              <a:t>Representations should not imply a subjective or false context.</a:t>
+            </a:r>
+          </a:p>
+          <a:p>
             <a:pPr marL="274320" lvl="1" indent="0">
               <a:buNone/>
             </a:pPr>
@@ -5644,6 +5748,220 @@
           <p:cNvPr id="2" name="Title 1">
             <a:extLst>
               <a:ext uri="{FF2B5EF4-FFF2-40B4-BE49-F238E27FC236}">
+                <a16:creationId xmlns:a16="http://schemas.microsoft.com/office/drawing/2014/main" id="{D4E2E725-4EC7-4135-A224-8E1E61435D49}"/>
+              </a:ext>
+            </a:extLst>
+          </p:cNvPr>
+          <p:cNvSpPr>
+            <a:spLocks noGrp="1"/>
+          </p:cNvSpPr>
+          <p:nvPr>
+            <p:ph type="title"/>
+          </p:nvPr>
+        </p:nvSpPr>
+        <p:spPr/>
+        <p:txBody>
+          <a:bodyPr/>
+          <a:lstStyle/>
+          <a:p>
+            <a:r>
+              <a:rPr lang="en-US" dirty="0"/>
+              <a:t>Visual Variables</a:t>
+            </a:r>
+          </a:p>
+        </p:txBody>
+      </p:sp>
+      <p:pic>
+        <p:nvPicPr>
+          <p:cNvPr id="1026" name="Picture 2">
+            <a:extLst>
+              <a:ext uri="{FF2B5EF4-FFF2-40B4-BE49-F238E27FC236}">
+                <a16:creationId xmlns:a16="http://schemas.microsoft.com/office/drawing/2014/main" id="{76E48095-FA18-44F2-A7BC-58FFA805F2A1}"/>
+              </a:ext>
+            </a:extLst>
+          </p:cNvPr>
+          <p:cNvPicPr>
+            <a:picLocks noGrp="1" noChangeAspect="1" noChangeArrowheads="1"/>
+          </p:cNvPicPr>
+          <p:nvPr>
+            <p:ph idx="1"/>
+          </p:nvPr>
+        </p:nvPicPr>
+        <p:blipFill>
+          <a:blip r:embed="rId2">
+            <a:extLst>
+              <a:ext uri="{28A0092B-C50C-407E-A947-70E740481C1C}">
+                <a14:useLocalDpi xmlns:a14="http://schemas.microsoft.com/office/drawing/2010/main" val="0"/>
+              </a:ext>
+            </a:extLst>
+          </a:blip>
+          <a:srcRect/>
+          <a:stretch>
+            <a:fillRect/>
+          </a:stretch>
+        </p:blipFill>
+        <p:spPr bwMode="auto">
+          <a:xfrm>
+            <a:off x="1501775" y="2556669"/>
+            <a:ext cx="8115300" cy="2895600"/>
+          </a:xfrm>
+          <a:prstGeom prst="rect">
+            <a:avLst/>
+          </a:prstGeom>
+          <a:noFill/>
+          <a:extLst>
+            <a:ext uri="{909E8E84-426E-40DD-AFC4-6F175D3DCCD1}">
+              <a14:hiddenFill xmlns:a14="http://schemas.microsoft.com/office/drawing/2010/main">
+                <a:solidFill>
+                  <a:srgbClr val="FFFFFF"/>
+                </a:solidFill>
+              </a14:hiddenFill>
+            </a:ext>
+          </a:extLst>
+        </p:spPr>
+      </p:pic>
+    </p:spTree>
+    <p:extLst>
+      <p:ext uri="{BB962C8B-B14F-4D97-AF65-F5344CB8AC3E}">
+        <p14:creationId xmlns:p14="http://schemas.microsoft.com/office/powerpoint/2010/main" val="4107890503"/>
+      </p:ext>
+    </p:extLst>
+  </p:cSld>
+  <p:clrMapOvr>
+    <a:masterClrMapping/>
+  </p:clrMapOvr>
+</p:sld>
+</file>
+
+<file path=ppt/slides/slide12.xml><?xml version="1.0" encoding="utf-8"?>
+<p:sld xmlns:a="http://schemas.openxmlformats.org/drawingml/2006/main" xmlns:r="http://schemas.openxmlformats.org/officeDocument/2006/relationships" xmlns:p="http://schemas.openxmlformats.org/presentationml/2006/main">
+  <p:cSld>
+    <p:spTree>
+      <p:nvGrpSpPr>
+        <p:cNvPr id="1" name=""/>
+        <p:cNvGrpSpPr/>
+        <p:nvPr/>
+      </p:nvGrpSpPr>
+      <p:grpSpPr>
+        <a:xfrm>
+          <a:off x="0" y="0"/>
+          <a:ext cx="0" cy="0"/>
+          <a:chOff x="0" y="0"/>
+          <a:chExt cx="0" cy="0"/>
+        </a:xfrm>
+      </p:grpSpPr>
+      <p:sp>
+        <p:nvSpPr>
+          <p:cNvPr id="2" name="Title 1">
+            <a:extLst>
+              <a:ext uri="{FF2B5EF4-FFF2-40B4-BE49-F238E27FC236}">
+                <a16:creationId xmlns:a16="http://schemas.microsoft.com/office/drawing/2014/main" id="{EDC75656-E62F-41A7-B8D2-74EDB46F17C6}"/>
+              </a:ext>
+            </a:extLst>
+          </p:cNvPr>
+          <p:cNvSpPr>
+            <a:spLocks noGrp="1"/>
+          </p:cNvSpPr>
+          <p:nvPr>
+            <p:ph type="title"/>
+          </p:nvPr>
+        </p:nvSpPr>
+        <p:spPr/>
+        <p:txBody>
+          <a:bodyPr/>
+          <a:lstStyle/>
+          <a:p>
+            <a:r>
+              <a:rPr lang="en-US" dirty="0"/>
+              <a:t>Components of a plot</a:t>
+            </a:r>
+          </a:p>
+        </p:txBody>
+      </p:sp>
+      <p:pic>
+        <p:nvPicPr>
+          <p:cNvPr id="2050" name="Picture 2">
+            <a:extLst>
+              <a:ext uri="{FF2B5EF4-FFF2-40B4-BE49-F238E27FC236}">
+                <a16:creationId xmlns:a16="http://schemas.microsoft.com/office/drawing/2014/main" id="{E156CA02-4522-4DFA-AD96-30BFFFF788CB}"/>
+              </a:ext>
+            </a:extLst>
+          </p:cNvPr>
+          <p:cNvPicPr>
+            <a:picLocks noGrp="1" noChangeAspect="1" noChangeArrowheads="1"/>
+          </p:cNvPicPr>
+          <p:nvPr>
+            <p:ph idx="1"/>
+          </p:nvPr>
+        </p:nvPicPr>
+        <p:blipFill>
+          <a:blip r:embed="rId2">
+            <a:extLst>
+              <a:ext uri="{28A0092B-C50C-407E-A947-70E740481C1C}">
+                <a14:useLocalDpi xmlns:a14="http://schemas.microsoft.com/office/drawing/2010/main" val="0"/>
+              </a:ext>
+            </a:extLst>
+          </a:blip>
+          <a:srcRect/>
+          <a:stretch>
+            <a:fillRect/>
+          </a:stretch>
+        </p:blipFill>
+        <p:spPr bwMode="auto">
+          <a:xfrm>
+            <a:off x="3480922" y="1828800"/>
+            <a:ext cx="4157006" cy="4351338"/>
+          </a:xfrm>
+          <a:prstGeom prst="rect">
+            <a:avLst/>
+          </a:prstGeom>
+          <a:noFill/>
+          <a:extLst>
+            <a:ext uri="{909E8E84-426E-40DD-AFC4-6F175D3DCCD1}">
+              <a14:hiddenFill xmlns:a14="http://schemas.microsoft.com/office/drawing/2010/main">
+                <a:solidFill>
+                  <a:srgbClr val="FFFFFF"/>
+                </a:solidFill>
+              </a14:hiddenFill>
+            </a:ext>
+          </a:extLst>
+        </p:spPr>
+      </p:pic>
+    </p:spTree>
+    <p:extLst>
+      <p:ext uri="{BB962C8B-B14F-4D97-AF65-F5344CB8AC3E}">
+        <p14:creationId xmlns:p14="http://schemas.microsoft.com/office/powerpoint/2010/main" val="3338124564"/>
+      </p:ext>
+    </p:extLst>
+  </p:cSld>
+  <p:clrMapOvr>
+    <a:masterClrMapping/>
+  </p:clrMapOvr>
+</p:sld>
+</file>
+
+<file path=ppt/slides/slide13.xml><?xml version="1.0" encoding="utf-8"?>
+<p:sld xmlns:a="http://schemas.openxmlformats.org/drawingml/2006/main" xmlns:r="http://schemas.openxmlformats.org/officeDocument/2006/relationships" xmlns:p="http://schemas.openxmlformats.org/presentationml/2006/main">
+  <p:cSld>
+    <p:spTree>
+      <p:nvGrpSpPr>
+        <p:cNvPr id="1" name=""/>
+        <p:cNvGrpSpPr/>
+        <p:nvPr/>
+      </p:nvGrpSpPr>
+      <p:grpSpPr>
+        <a:xfrm>
+          <a:off x="0" y="0"/>
+          <a:ext cx="0" cy="0"/>
+          <a:chOff x="0" y="0"/>
+          <a:chExt cx="0" cy="0"/>
+        </a:xfrm>
+      </p:grpSpPr>
+      <p:sp>
+        <p:nvSpPr>
+          <p:cNvPr id="2" name="Title 1">
+            <a:extLst>
+              <a:ext uri="{FF2B5EF4-FFF2-40B4-BE49-F238E27FC236}">
                 <a16:creationId xmlns:a16="http://schemas.microsoft.com/office/drawing/2014/main" id="{8D014836-CB2A-4FBD-817B-C087AD31EDFC}"/>
               </a:ext>
             </a:extLst>
@@ -5736,7 +6054,7 @@
 </p:sld>
 </file>
 
-<file path=ppt/slides/slide12.xml><?xml version="1.0" encoding="utf-8"?>
+<file path=ppt/slides/slide14.xml><?xml version="1.0" encoding="utf-8"?>
 <p:sld xmlns:a="http://schemas.openxmlformats.org/drawingml/2006/main" xmlns:r="http://schemas.openxmlformats.org/officeDocument/2006/relationships" xmlns:p="http://schemas.openxmlformats.org/presentationml/2006/main">
   <p:cSld>
     <p:spTree>
@@ -5872,7 +6190,23 @@
           <a:p>
             <a:r>
               <a:rPr lang="en-US" dirty="0"/>
-              <a:t>Warm-up	(10 minutes)</a:t>
+              <a:t>Warm-up</a:t>
+            </a:r>
+            <a:r>
+              <a:rPr lang="en-US"/>
+              <a:t>	(</a:t>
+            </a:r>
+            <a:r>
+              <a:rPr lang="en-US" dirty="0"/>
+              <a:t>7</a:t>
+            </a:r>
+            <a:r>
+              <a:rPr lang="en-US"/>
+              <a:t> </a:t>
+            </a:r>
+            <a:r>
+              <a:rPr lang="en-US" dirty="0"/>
+              <a:t>minutes)</a:t>
             </a:r>
           </a:p>
         </p:txBody>
@@ -5913,7 +6247,7 @@
             </a:r>
             <a:r>
               <a:rPr lang="en-US" dirty="0"/>
-              <a:t> that shows the average number of reviews and average price per neighborhood.</a:t>
+              <a:t> that shows the max price per neighborhood AND average price per neighborhood.</a:t>
             </a:r>
           </a:p>
           <a:p>
@@ -6913,7 +7247,23 @@
                 <a:effectLst/>
                 <a:latin typeface="Helvetica Neue"/>
               </a:rPr>
-              <a:t>cd into this repo.</a:t>
+              <a:t>cd into </a:t>
+            </a:r>
+            <a:r>
+              <a:rPr lang="en-US" altLang="en-US" sz="1800" dirty="0">
+                <a:latin typeface="Helvetica Neue"/>
+              </a:rPr>
+              <a:t>your</a:t>
+            </a:r>
+            <a:r>
+              <a:rPr kumimoji="0" lang="en-US" altLang="en-US" sz="1800" b="0" i="0" u="none" strike="noStrike" cap="none" normalizeH="0" baseline="0" dirty="0">
+                <a:ln>
+                  <a:noFill/>
+                </a:ln>
+                <a:effectLst/>
+                <a:latin typeface="Helvetica Neue"/>
+              </a:rPr>
+              <a:t> repo where you store this exercise.</a:t>
             </a:r>
           </a:p>
           <a:p>
@@ -7316,14 +7666,13 @@
               <a:t>Attendance word: </a:t>
             </a:r>
             <a:r>
-              <a:rPr lang="en-US" b="1" i="0" dirty="0" err="1">
+              <a:rPr lang="en-US" b="1" dirty="0" err="1">
                 <a:solidFill>
                   <a:schemeClr val="tx1"/>
                 </a:solidFill>
-                <a:effectLst/>
                 <a:latin typeface="Slack-Lato"/>
               </a:rPr>
-              <a:t>TopTechnologist</a:t>
+              <a:t>GoogleGuru</a:t>
             </a:r>
             <a:endParaRPr lang="en-US" dirty="0">
               <a:solidFill>
